--- a/module14-handling-mismatches/mismatches.pptx
+++ b/module14-handling-mismatches/mismatches.pptx
@@ -6642,7 +6642,7 @@
             </a:r>
             <a:r>
               <a:rPr/>
-              <a:t>seven</a:t>
+              <a:t>four</a:t>
             </a:r>
             <a:r>
               <a:rPr/>
@@ -24072,7 +24072,7 @@
             </a:r>
             <a:r>
               <a:rPr/>
-              <a:t>lets</a:t>
+              <a:t>let’s</a:t>
             </a:r>
             <a:r>
               <a:rPr/>
